--- a/presentations/SPM Final Presentation (G3-T4).pptx
+++ b/presentations/SPM Final Presentation (G3-T4).pptx
@@ -50339,7 +50339,13 @@
         <p:nvGraphicFramePr>
           <p:cNvPr id="252" name="Google Shape;252;p34"/>
           <p:cNvGraphicFramePr/>
-          <p:nvPr/>
+          <p:nvPr>
+            <p:extLst>
+              <p:ext uri="{D42A27DB-BD31-4B8C-83A1-F6EECF244321}">
+                <p14:modId xmlns:p14="http://schemas.microsoft.com/office/powerpoint/2010/main" val="3352513620"/>
+              </p:ext>
+            </p:extLst>
+          </p:nvPr>
         </p:nvGraphicFramePr>
         <p:xfrm>
           <a:off x="321468" y="1581150"/>
@@ -50429,7 +50435,7 @@
                         <a:buNone/>
                       </a:pPr>
                       <a:r>
-                        <a:rPr lang="en-GB" sz="1600" b="1" u="sng" strike="noStrike" cap="none">
+                        <a:rPr lang="en-GB" sz="1600" b="1" u="sng" strike="noStrike" cap="none" dirty="0">
                           <a:solidFill>
                             <a:schemeClr val="dk1"/>
                           </a:solidFill>
@@ -50438,9 +50444,9 @@
                           <a:cs typeface="Century Gothic"/>
                           <a:sym typeface="Century Gothic"/>
                         </a:rPr>
-                        <a:t>Non-Programming</a:t>
+                        <a:t>Programming</a:t>
                       </a:r>
-                      <a:endParaRPr/>
+                      <a:endParaRPr dirty="0"/>
                     </a:p>
                   </a:txBody>
                   <a:tcPr marL="91450" marR="91450" marT="45725" marB="45725" anchor="ctr"/>
@@ -50460,7 +50466,7 @@
                         <a:buNone/>
                       </a:pPr>
                       <a:r>
-                        <a:rPr lang="en-GB" sz="1600" b="1" u="sng" strike="noStrike" cap="none">
+                        <a:rPr lang="en-GB" sz="1600" b="1" u="sng" strike="noStrike" cap="none" dirty="0">
                           <a:solidFill>
                             <a:schemeClr val="dk1"/>
                           </a:solidFill>
@@ -50469,9 +50475,9 @@
                           <a:cs typeface="Century Gothic"/>
                           <a:sym typeface="Century Gothic"/>
                         </a:rPr>
-                        <a:t>Programming</a:t>
+                        <a:t>Non-Programming</a:t>
                       </a:r>
-                      <a:endParaRPr/>
+                      <a:endParaRPr dirty="0"/>
                     </a:p>
                   </a:txBody>
                   <a:tcPr marL="91450" marR="91450" marT="45725" marB="45725" anchor="ctr"/>
@@ -50498,7 +50504,7 @@
                         <a:buNone/>
                       </a:pPr>
                       <a:r>
-                        <a:rPr lang="en-GB" sz="1600" b="0" i="0" u="none" strike="noStrike" cap="none">
+                        <a:rPr lang="en-GB" sz="1600" b="0" i="0" u="none" strike="noStrike" cap="none" dirty="0">
                           <a:solidFill>
                             <a:srgbClr val="000000"/>
                           </a:solidFill>
@@ -50510,7 +50516,7 @@
                         <a:t>Code timetable – </a:t>
                       </a:r>
                       <a:r>
-                        <a:rPr lang="en-GB" sz="1600" b="0" i="1" u="none" strike="noStrike" cap="none">
+                        <a:rPr lang="en-GB" sz="1600" b="0" i="1" u="none" strike="noStrike" cap="none" dirty="0">
                           <a:solidFill>
                             <a:srgbClr val="000000"/>
                           </a:solidFill>
@@ -50519,9 +50525,21 @@
                           <a:cs typeface="Century Gothic"/>
                           <a:sym typeface="Century Gothic"/>
                         </a:rPr>
-                        <a:t>Gordon &amp; Rouhui</a:t>
+                        <a:t>Gordon &amp; </a:t>
                       </a:r>
-                      <a:endParaRPr sz="1800" u="none" strike="noStrike" cap="none"/>
+                      <a:r>
+                        <a:rPr lang="en-GB" sz="1600" b="0" i="1" u="none" strike="noStrike" cap="none" dirty="0" err="1">
+                          <a:solidFill>
+                            <a:srgbClr val="000000"/>
+                          </a:solidFill>
+                          <a:latin typeface="Century Gothic"/>
+                          <a:ea typeface="Century Gothic"/>
+                          <a:cs typeface="Century Gothic"/>
+                          <a:sym typeface="Century Gothic"/>
+                        </a:rPr>
+                        <a:t>Rouhui</a:t>
+                      </a:r>
+                      <a:endParaRPr sz="1800" u="none" strike="noStrike" cap="none" dirty="0"/>
                     </a:p>
                   </a:txBody>
                   <a:tcPr marL="44450" marR="44450" marT="44450" marB="44450"/>
@@ -50591,7 +50609,7 @@
                         <a:buNone/>
                       </a:pPr>
                       <a:r>
-                        <a:rPr lang="en-GB" sz="1600" b="0" i="0" u="none" strike="noStrike" cap="none">
+                        <a:rPr lang="en-GB" sz="1600" b="0" i="0" u="none" strike="noStrike" cap="none" dirty="0">
                           <a:solidFill>
                             <a:srgbClr val="000000"/>
                           </a:solidFill>
@@ -50603,7 +50621,7 @@
                         <a:t>Code search bid – </a:t>
                       </a:r>
                       <a:r>
-                        <a:rPr lang="en-GB" sz="1600" b="0" i="1" u="none" strike="noStrike" cap="none">
+                        <a:rPr lang="en-GB" sz="1600" b="0" i="1" u="none" strike="noStrike" cap="none" dirty="0" err="1">
                           <a:solidFill>
                             <a:srgbClr val="000000"/>
                           </a:solidFill>
@@ -50612,9 +50630,21 @@
                           <a:cs typeface="Century Gothic"/>
                           <a:sym typeface="Century Gothic"/>
                         </a:rPr>
-                        <a:t>Amey &amp; Brian</a:t>
+                        <a:t>Amey</a:t>
                       </a:r>
-                      <a:endParaRPr sz="1800" u="none" strike="noStrike" cap="none"/>
+                      <a:r>
+                        <a:rPr lang="en-GB" sz="1600" b="0" i="1" u="none" strike="noStrike" cap="none" dirty="0">
+                          <a:solidFill>
+                            <a:srgbClr val="000000"/>
+                          </a:solidFill>
+                          <a:latin typeface="Century Gothic"/>
+                          <a:ea typeface="Century Gothic"/>
+                          <a:cs typeface="Century Gothic"/>
+                          <a:sym typeface="Century Gothic"/>
+                        </a:rPr>
+                        <a:t> &amp; Brian</a:t>
+                      </a:r>
+                      <a:endParaRPr sz="1800" u="none" strike="noStrike" cap="none" dirty="0"/>
                     </a:p>
                   </a:txBody>
                   <a:tcPr marL="44450" marR="44450" marT="44450" marB="44450"/>
@@ -50727,7 +50757,7 @@
                         <a:buNone/>
                       </a:pPr>
                       <a:r>
-                        <a:rPr lang="en-GB" sz="1600" b="0" i="0" u="none" strike="noStrike" cap="none">
+                        <a:rPr lang="en-GB" sz="1600" b="0" i="0" u="none" strike="noStrike" cap="none" dirty="0">
                           <a:solidFill>
                             <a:srgbClr val="000000"/>
                           </a:solidFill>
@@ -50739,7 +50769,7 @@
                         <a:t>Deploy to AWS – </a:t>
                       </a:r>
                       <a:r>
-                        <a:rPr lang="en-GB" sz="1600" b="0" i="1" u="none" strike="noStrike" cap="none">
+                        <a:rPr lang="en-GB" sz="1600" b="0" i="1" u="none" strike="noStrike" cap="none" dirty="0">
                           <a:solidFill>
                             <a:srgbClr val="000000"/>
                           </a:solidFill>
@@ -50748,9 +50778,21 @@
                           <a:cs typeface="Century Gothic"/>
                           <a:sym typeface="Century Gothic"/>
                         </a:rPr>
-                        <a:t>Gordon &amp; Rouhui</a:t>
+                        <a:t>Gordon &amp; </a:t>
                       </a:r>
-                      <a:endParaRPr sz="1800" u="none" strike="noStrike" cap="none"/>
+                      <a:r>
+                        <a:rPr lang="en-GB" sz="1600" b="0" i="1" u="none" strike="noStrike" cap="none" dirty="0" err="1">
+                          <a:solidFill>
+                            <a:srgbClr val="000000"/>
+                          </a:solidFill>
+                          <a:latin typeface="Century Gothic"/>
+                          <a:ea typeface="Century Gothic"/>
+                          <a:cs typeface="Century Gothic"/>
+                          <a:sym typeface="Century Gothic"/>
+                        </a:rPr>
+                        <a:t>Rouhui</a:t>
+                      </a:r>
+                      <a:endParaRPr sz="1800" u="none" strike="noStrike" cap="none" dirty="0"/>
                     </a:p>
                   </a:txBody>
                   <a:tcPr marL="44450" marR="44450" marT="44450" marB="44450"/>
@@ -50820,7 +50862,7 @@
                         <a:buNone/>
                       </a:pPr>
                       <a:r>
-                        <a:rPr lang="en-GB" sz="1600" b="0" i="0" u="none" strike="noStrike" cap="none">
+                        <a:rPr lang="en-GB" sz="1600" b="0" i="0" u="none" strike="noStrike" cap="none" dirty="0">
                           <a:solidFill>
                             <a:srgbClr val="000000"/>
                           </a:solidFill>
@@ -50832,7 +50874,7 @@
                         <a:t>Test code – </a:t>
                       </a:r>
                       <a:r>
-                        <a:rPr lang="en-GB" sz="1600" b="0" i="1" u="none" strike="noStrike" cap="none">
+                        <a:rPr lang="en-GB" sz="1600" b="0" i="1" u="none" strike="noStrike" cap="none" dirty="0">
                           <a:solidFill>
                             <a:srgbClr val="000000"/>
                           </a:solidFill>
@@ -50843,7 +50885,7 @@
                         </a:rPr>
                         <a:t>All members</a:t>
                       </a:r>
-                      <a:endParaRPr sz="1800" u="none" strike="noStrike" cap="none"/>
+                      <a:endParaRPr sz="1800" u="none" strike="noStrike" cap="none" dirty="0"/>
                     </a:p>
                   </a:txBody>
                   <a:tcPr marL="44450" marR="44450" marT="44450" marB="44450"/>
@@ -50912,7 +50954,7 @@
                         </a:spcAft>
                         <a:buNone/>
                       </a:pPr>
-                      <a:endParaRPr sz="1600" b="0" i="1" u="none" strike="noStrike" cap="none">
+                      <a:endParaRPr sz="1600" b="0" i="1" u="none" strike="noStrike" cap="none" dirty="0">
                         <a:solidFill>
                           <a:schemeClr val="dk1"/>
                         </a:solidFill>
